--- a/Cloud/AWS/aws-ec2-instances-basics.pptx
+++ b/Cloud/AWS/aws-ec2-instances-basics.pptx
@@ -17,6 +17,9 @@
     <p:sldId id="265" r:id="rId11"/>
     <p:sldId id="266" r:id="rId12"/>
     <p:sldId id="267" r:id="rId13"/>
+    <p:sldId id="268" r:id="rId14"/>
+    <p:sldId id="269" r:id="rId15"/>
+    <p:sldId id="270" r:id="rId16"/>
   </p:sldIdLst>
   <p:sldSz cx="9144000" cy="6858000" type="screen4x3"/>
   <p:notesSz cx="6858000" cy="9144000"/>
@@ -299,6 +302,7 @@
           <a:p>
             <a:fld id="{424CCEFD-67F1-4130-8FEE-20DA9415D68C}" type="datetimeFigureOut">
               <a:rPr lang="en-US" smtClean="0"/>
+              <a:pPr/>
               <a:t>9/6/2018</a:t>
             </a:fld>
             <a:endParaRPr lang="en-US"/>
@@ -341,6 +345,7 @@
           <a:p>
             <a:fld id="{DB9B4776-6EF4-43F8-904F-E6CC5A2F8D7A}" type="slidenum">
               <a:rPr lang="en-US" smtClean="0"/>
+              <a:pPr/>
               <a:t>‹#›</a:t>
             </a:fld>
             <a:endParaRPr lang="en-US"/>
@@ -464,6 +469,7 @@
           <a:p>
             <a:fld id="{424CCEFD-67F1-4130-8FEE-20DA9415D68C}" type="datetimeFigureOut">
               <a:rPr lang="en-US" smtClean="0"/>
+              <a:pPr/>
               <a:t>9/6/2018</a:t>
             </a:fld>
             <a:endParaRPr lang="en-US"/>
@@ -506,6 +512,7 @@
           <a:p>
             <a:fld id="{DB9B4776-6EF4-43F8-904F-E6CC5A2F8D7A}" type="slidenum">
               <a:rPr lang="en-US" smtClean="0"/>
+              <a:pPr/>
               <a:t>‹#›</a:t>
             </a:fld>
             <a:endParaRPr lang="en-US"/>
@@ -639,6 +646,7 @@
           <a:p>
             <a:fld id="{424CCEFD-67F1-4130-8FEE-20DA9415D68C}" type="datetimeFigureOut">
               <a:rPr lang="en-US" smtClean="0"/>
+              <a:pPr/>
               <a:t>9/6/2018</a:t>
             </a:fld>
             <a:endParaRPr lang="en-US"/>
@@ -681,6 +689,7 @@
           <a:p>
             <a:fld id="{DB9B4776-6EF4-43F8-904F-E6CC5A2F8D7A}" type="slidenum">
               <a:rPr lang="en-US" smtClean="0"/>
+              <a:pPr/>
               <a:t>‹#›</a:t>
             </a:fld>
             <a:endParaRPr lang="en-US"/>
@@ -804,6 +813,7 @@
           <a:p>
             <a:fld id="{424CCEFD-67F1-4130-8FEE-20DA9415D68C}" type="datetimeFigureOut">
               <a:rPr lang="en-US" smtClean="0"/>
+              <a:pPr/>
               <a:t>9/6/2018</a:t>
             </a:fld>
             <a:endParaRPr lang="en-US"/>
@@ -846,6 +856,7 @@
           <a:p>
             <a:fld id="{DB9B4776-6EF4-43F8-904F-E6CC5A2F8D7A}" type="slidenum">
               <a:rPr lang="en-US" smtClean="0"/>
+              <a:pPr/>
               <a:t>‹#›</a:t>
             </a:fld>
             <a:endParaRPr lang="en-US"/>
@@ -1045,6 +1056,7 @@
           <a:p>
             <a:fld id="{424CCEFD-67F1-4130-8FEE-20DA9415D68C}" type="datetimeFigureOut">
               <a:rPr lang="en-US" smtClean="0"/>
+              <a:pPr/>
               <a:t>9/6/2018</a:t>
             </a:fld>
             <a:endParaRPr lang="en-US"/>
@@ -1087,6 +1099,7 @@
           <a:p>
             <a:fld id="{DB9B4776-6EF4-43F8-904F-E6CC5A2F8D7A}" type="slidenum">
               <a:rPr lang="en-US" smtClean="0"/>
+              <a:pPr/>
               <a:t>‹#›</a:t>
             </a:fld>
             <a:endParaRPr lang="en-US"/>
@@ -1328,6 +1341,7 @@
           <a:p>
             <a:fld id="{424CCEFD-67F1-4130-8FEE-20DA9415D68C}" type="datetimeFigureOut">
               <a:rPr lang="en-US" smtClean="0"/>
+              <a:pPr/>
               <a:t>9/6/2018</a:t>
             </a:fld>
             <a:endParaRPr lang="en-US"/>
@@ -1370,6 +1384,7 @@
           <a:p>
             <a:fld id="{DB9B4776-6EF4-43F8-904F-E6CC5A2F8D7A}" type="slidenum">
               <a:rPr lang="en-US" smtClean="0"/>
+              <a:pPr/>
               <a:t>‹#›</a:t>
             </a:fld>
             <a:endParaRPr lang="en-US"/>
@@ -1745,6 +1760,7 @@
           <a:p>
             <a:fld id="{424CCEFD-67F1-4130-8FEE-20DA9415D68C}" type="datetimeFigureOut">
               <a:rPr lang="en-US" smtClean="0"/>
+              <a:pPr/>
               <a:t>9/6/2018</a:t>
             </a:fld>
             <a:endParaRPr lang="en-US"/>
@@ -1787,6 +1803,7 @@
           <a:p>
             <a:fld id="{DB9B4776-6EF4-43F8-904F-E6CC5A2F8D7A}" type="slidenum">
               <a:rPr lang="en-US" smtClean="0"/>
+              <a:pPr/>
               <a:t>‹#›</a:t>
             </a:fld>
             <a:endParaRPr lang="en-US"/>
@@ -1858,6 +1875,7 @@
           <a:p>
             <a:fld id="{424CCEFD-67F1-4130-8FEE-20DA9415D68C}" type="datetimeFigureOut">
               <a:rPr lang="en-US" smtClean="0"/>
+              <a:pPr/>
               <a:t>9/6/2018</a:t>
             </a:fld>
             <a:endParaRPr lang="en-US"/>
@@ -1900,6 +1918,7 @@
           <a:p>
             <a:fld id="{DB9B4776-6EF4-43F8-904F-E6CC5A2F8D7A}" type="slidenum">
               <a:rPr lang="en-US" smtClean="0"/>
+              <a:pPr/>
               <a:t>‹#›</a:t>
             </a:fld>
             <a:endParaRPr lang="en-US"/>
@@ -1948,6 +1967,7 @@
           <a:p>
             <a:fld id="{424CCEFD-67F1-4130-8FEE-20DA9415D68C}" type="datetimeFigureOut">
               <a:rPr lang="en-US" smtClean="0"/>
+              <a:pPr/>
               <a:t>9/6/2018</a:t>
             </a:fld>
             <a:endParaRPr lang="en-US"/>
@@ -1990,6 +2010,7 @@
           <a:p>
             <a:fld id="{DB9B4776-6EF4-43F8-904F-E6CC5A2F8D7A}" type="slidenum">
               <a:rPr lang="en-US" smtClean="0"/>
+              <a:pPr/>
               <a:t>‹#›</a:t>
             </a:fld>
             <a:endParaRPr lang="en-US"/>
@@ -2220,6 +2241,7 @@
           <a:p>
             <a:fld id="{424CCEFD-67F1-4130-8FEE-20DA9415D68C}" type="datetimeFigureOut">
               <a:rPr lang="en-US" smtClean="0"/>
+              <a:pPr/>
               <a:t>9/6/2018</a:t>
             </a:fld>
             <a:endParaRPr lang="en-US"/>
@@ -2262,6 +2284,7 @@
           <a:p>
             <a:fld id="{DB9B4776-6EF4-43F8-904F-E6CC5A2F8D7A}" type="slidenum">
               <a:rPr lang="en-US" smtClean="0"/>
+              <a:pPr/>
               <a:t>‹#›</a:t>
             </a:fld>
             <a:endParaRPr lang="en-US"/>
@@ -2468,6 +2491,7 @@
           <a:p>
             <a:fld id="{424CCEFD-67F1-4130-8FEE-20DA9415D68C}" type="datetimeFigureOut">
               <a:rPr lang="en-US" smtClean="0"/>
+              <a:pPr/>
               <a:t>9/6/2018</a:t>
             </a:fld>
             <a:endParaRPr lang="en-US"/>
@@ -2510,6 +2534,7 @@
           <a:p>
             <a:fld id="{DB9B4776-6EF4-43F8-904F-E6CC5A2F8D7A}" type="slidenum">
               <a:rPr lang="en-US" smtClean="0"/>
+              <a:pPr/>
               <a:t>‹#›</a:t>
             </a:fld>
             <a:endParaRPr lang="en-US"/>
@@ -2676,6 +2701,7 @@
           <a:p>
             <a:fld id="{424CCEFD-67F1-4130-8FEE-20DA9415D68C}" type="datetimeFigureOut">
               <a:rPr lang="en-US" smtClean="0"/>
+              <a:pPr/>
               <a:t>9/6/2018</a:t>
             </a:fld>
             <a:endParaRPr lang="en-US"/>
@@ -2754,6 +2780,7 @@
           <a:p>
             <a:fld id="{DB9B4776-6EF4-43F8-904F-E6CC5A2F8D7A}" type="slidenum">
               <a:rPr lang="en-US" smtClean="0"/>
+              <a:pPr/>
               <a:t>‹#›</a:t>
             </a:fld>
             <a:endParaRPr lang="en-US"/>
@@ -3332,6 +3359,81 @@
           <a:effectLst/>
         </p:spPr>
       </p:pic>
+    </p:spTree>
+  </p:cSld>
+  <p:clrMapOvr>
+    <a:masterClrMapping/>
+  </p:clrMapOvr>
+</p:sld>
+</file>
+
+<file path=ppt/slides/slide13.xml><?xml version="1.0" encoding="utf-8"?>
+<p:sld xmlns:a="http://schemas.openxmlformats.org/drawingml/2006/main" xmlns:r="http://schemas.openxmlformats.org/officeDocument/2006/relationships" xmlns:p="http://schemas.openxmlformats.org/presentationml/2006/main">
+  <p:cSld>
+    <p:spTree>
+      <p:nvGrpSpPr>
+        <p:cNvPr id="1" name=""/>
+        <p:cNvGrpSpPr/>
+        <p:nvPr/>
+      </p:nvGrpSpPr>
+      <p:grpSpPr>
+        <a:xfrm>
+          <a:off x="0" y="0"/>
+          <a:ext cx="0" cy="0"/>
+          <a:chOff x="0" y="0"/>
+          <a:chExt cx="0" cy="0"/>
+        </a:xfrm>
+      </p:grpSpPr>
+    </p:spTree>
+  </p:cSld>
+  <p:clrMapOvr>
+    <a:masterClrMapping/>
+  </p:clrMapOvr>
+</p:sld>
+</file>
+
+<file path=ppt/slides/slide14.xml><?xml version="1.0" encoding="utf-8"?>
+<p:sld xmlns:a="http://schemas.openxmlformats.org/drawingml/2006/main" xmlns:r="http://schemas.openxmlformats.org/officeDocument/2006/relationships" xmlns:p="http://schemas.openxmlformats.org/presentationml/2006/main">
+  <p:cSld>
+    <p:spTree>
+      <p:nvGrpSpPr>
+        <p:cNvPr id="1" name=""/>
+        <p:cNvGrpSpPr/>
+        <p:nvPr/>
+      </p:nvGrpSpPr>
+      <p:grpSpPr>
+        <a:xfrm>
+          <a:off x="0" y="0"/>
+          <a:ext cx="0" cy="0"/>
+          <a:chOff x="0" y="0"/>
+          <a:chExt cx="0" cy="0"/>
+        </a:xfrm>
+      </p:grpSpPr>
+    </p:spTree>
+  </p:cSld>
+  <p:clrMapOvr>
+    <a:masterClrMapping/>
+  </p:clrMapOvr>
+</p:sld>
+</file>
+
+<file path=ppt/slides/slide15.xml><?xml version="1.0" encoding="utf-8"?>
+<p:sld xmlns:a="http://schemas.openxmlformats.org/drawingml/2006/main" xmlns:r="http://schemas.openxmlformats.org/officeDocument/2006/relationships" xmlns:p="http://schemas.openxmlformats.org/presentationml/2006/main">
+  <p:cSld>
+    <p:spTree>
+      <p:nvGrpSpPr>
+        <p:cNvPr id="1" name=""/>
+        <p:cNvGrpSpPr/>
+        <p:nvPr/>
+      </p:nvGrpSpPr>
+      <p:grpSpPr>
+        <a:xfrm>
+          <a:off x="0" y="0"/>
+          <a:ext cx="0" cy="0"/>
+          <a:chOff x="0" y="0"/>
+          <a:chExt cx="0" cy="0"/>
+        </a:xfrm>
+      </p:grpSpPr>
     </p:spTree>
   </p:cSld>
   <p:clrMapOvr>
